--- a/abschlusspräsentation/abschluss-präse.pptx
+++ b/abschlusspräsentation/abschluss-präse.pptx
@@ -267,7 +267,7 @@
           <a:p>
             <a:fld id="{A48BF57D-DDD3-49BA-BD35-6759BF75D559}" type="datetimeFigureOut">
               <a:rPr lang="de-DE" smtClean="0"/>
-              <a:t>15.03.2022</a:t>
+              <a:t>17.03.2022</a:t>
             </a:fld>
             <a:endParaRPr lang="de-DE"/>
           </a:p>
@@ -465,7 +465,7 @@
           <a:p>
             <a:fld id="{A48BF57D-DDD3-49BA-BD35-6759BF75D559}" type="datetimeFigureOut">
               <a:rPr lang="de-DE" smtClean="0"/>
-              <a:t>15.03.2022</a:t>
+              <a:t>17.03.2022</a:t>
             </a:fld>
             <a:endParaRPr lang="de-DE"/>
           </a:p>
@@ -673,7 +673,7 @@
           <a:p>
             <a:fld id="{A48BF57D-DDD3-49BA-BD35-6759BF75D559}" type="datetimeFigureOut">
               <a:rPr lang="de-DE" smtClean="0"/>
-              <a:t>15.03.2022</a:t>
+              <a:t>17.03.2022</a:t>
             </a:fld>
             <a:endParaRPr lang="de-DE"/>
           </a:p>
@@ -871,7 +871,7 @@
           <a:p>
             <a:fld id="{A48BF57D-DDD3-49BA-BD35-6759BF75D559}" type="datetimeFigureOut">
               <a:rPr lang="de-DE" smtClean="0"/>
-              <a:t>15.03.2022</a:t>
+              <a:t>17.03.2022</a:t>
             </a:fld>
             <a:endParaRPr lang="de-DE"/>
           </a:p>
@@ -1146,7 +1146,7 @@
           <a:p>
             <a:fld id="{A48BF57D-DDD3-49BA-BD35-6759BF75D559}" type="datetimeFigureOut">
               <a:rPr lang="de-DE" smtClean="0"/>
-              <a:t>15.03.2022</a:t>
+              <a:t>17.03.2022</a:t>
             </a:fld>
             <a:endParaRPr lang="de-DE"/>
           </a:p>
@@ -1411,7 +1411,7 @@
           <a:p>
             <a:fld id="{A48BF57D-DDD3-49BA-BD35-6759BF75D559}" type="datetimeFigureOut">
               <a:rPr lang="de-DE" smtClean="0"/>
-              <a:t>15.03.2022</a:t>
+              <a:t>17.03.2022</a:t>
             </a:fld>
             <a:endParaRPr lang="de-DE"/>
           </a:p>
@@ -1823,7 +1823,7 @@
           <a:p>
             <a:fld id="{A48BF57D-DDD3-49BA-BD35-6759BF75D559}" type="datetimeFigureOut">
               <a:rPr lang="de-DE" smtClean="0"/>
-              <a:t>15.03.2022</a:t>
+              <a:t>17.03.2022</a:t>
             </a:fld>
             <a:endParaRPr lang="de-DE"/>
           </a:p>
@@ -1964,7 +1964,7 @@
           <a:p>
             <a:fld id="{A48BF57D-DDD3-49BA-BD35-6759BF75D559}" type="datetimeFigureOut">
               <a:rPr lang="de-DE" smtClean="0"/>
-              <a:t>15.03.2022</a:t>
+              <a:t>17.03.2022</a:t>
             </a:fld>
             <a:endParaRPr lang="de-DE"/>
           </a:p>
@@ -2077,7 +2077,7 @@
           <a:p>
             <a:fld id="{A48BF57D-DDD3-49BA-BD35-6759BF75D559}" type="datetimeFigureOut">
               <a:rPr lang="de-DE" smtClean="0"/>
-              <a:t>15.03.2022</a:t>
+              <a:t>17.03.2022</a:t>
             </a:fld>
             <a:endParaRPr lang="de-DE"/>
           </a:p>
@@ -2388,7 +2388,7 @@
           <a:p>
             <a:fld id="{A48BF57D-DDD3-49BA-BD35-6759BF75D559}" type="datetimeFigureOut">
               <a:rPr lang="de-DE" smtClean="0"/>
-              <a:t>15.03.2022</a:t>
+              <a:t>17.03.2022</a:t>
             </a:fld>
             <a:endParaRPr lang="de-DE"/>
           </a:p>
@@ -2676,7 +2676,7 @@
           <a:p>
             <a:fld id="{A48BF57D-DDD3-49BA-BD35-6759BF75D559}" type="datetimeFigureOut">
               <a:rPr lang="de-DE" smtClean="0"/>
-              <a:t>15.03.2022</a:t>
+              <a:t>17.03.2022</a:t>
             </a:fld>
             <a:endParaRPr lang="de-DE"/>
           </a:p>
@@ -2917,7 +2917,7 @@
           <a:p>
             <a:fld id="{A48BF57D-DDD3-49BA-BD35-6759BF75D559}" type="datetimeFigureOut">
               <a:rPr lang="de-DE" smtClean="0"/>
-              <a:t>15.03.2022</a:t>
+              <a:t>17.03.2022</a:t>
             </a:fld>
             <a:endParaRPr lang="de-DE"/>
           </a:p>
@@ -3466,7 +3466,7 @@
           <a:p>
             <a:r>
               <a:rPr lang="de-DE" dirty="0" err="1"/>
-              <a:t>config</a:t>
+              <a:t>Config</a:t>
             </a:r>
             <a:endParaRPr lang="de-DE" dirty="0"/>
           </a:p>
